--- a/tts.pptx
+++ b/tts.pptx
@@ -8,6 +8,7 @@
     <p:sldId id="258" r:id="rId3"/>
     <p:sldId id="259" r:id="rId4"/>
     <p:sldId id="260" r:id="rId5"/>
+    <p:sldId id="261" r:id="rId6"/>
   </p:sldIdLst>
   <p:sldSz cx="12192000" cy="6858000"/>
   <p:notesSz cx="6858000" cy="9144000"/>
@@ -2930,7 +2931,11 @@
         <p:txBody>
           <a:bodyPr/>
           <a:p>
-            <a:endParaRPr lang="zh-CN" altLang="en-US"/>
+            <a:r>
+              <a:rPr lang="en-US" altLang="zh-CN"/>
+              <a:t>product blueprint</a:t>
+            </a:r>
+            <a:endParaRPr lang="en-US" altLang="zh-CN"/>
           </a:p>
         </p:txBody>
       </p:sp>
@@ -2948,7 +2953,11 @@
         <p:txBody>
           <a:bodyPr/>
           <a:p>
-            <a:endParaRPr lang="zh-CN" altLang="en-US"/>
+            <a:r>
+              <a:rPr lang="en-US" altLang="zh-CN"/>
+              <a:t>Jie Lu</a:t>
+            </a:r>
+            <a:endParaRPr lang="en-US" altLang="zh-CN"/>
           </a:p>
         </p:txBody>
       </p:sp>
@@ -2979,7 +2988,7 @@
         <p:spPr>
           <a:xfrm>
             <a:off x="4479925" y="925195"/>
-            <a:ext cx="2366645" cy="368300"/>
+            <a:ext cx="2917825" cy="368300"/>
           </a:xfrm>
           <a:prstGeom prst="rect">
             <a:avLst/>
@@ -2994,7 +3003,7 @@
             <a:pPr algn="l"/>
             <a:r>
               <a:rPr lang="en-US" altLang="zh-CN"/>
-              <a:t>speech rate adjustment</a:t>
+              <a:t>speech rate/pitch adjustment</a:t>
             </a:r>
             <a:endParaRPr lang="en-US" altLang="zh-CN"/>
           </a:p>
@@ -3038,7 +3047,7 @@
         </p:nvSpPr>
         <p:spPr>
           <a:xfrm>
-            <a:off x="4479925" y="2640330"/>
+            <a:off x="4479925" y="2456180"/>
             <a:ext cx="2402840" cy="368300"/>
           </a:xfrm>
           <a:prstGeom prst="rect">
@@ -3068,7 +3077,7 @@
         </p:nvSpPr>
         <p:spPr>
           <a:xfrm>
-            <a:off x="4479925" y="3429000"/>
+            <a:off x="4398010" y="4142740"/>
             <a:ext cx="2197735" cy="368300"/>
           </a:xfrm>
           <a:prstGeom prst="rect">
@@ -3098,7 +3107,7 @@
         </p:nvSpPr>
         <p:spPr>
           <a:xfrm>
-            <a:off x="4479925" y="4209415"/>
+            <a:off x="4566920" y="5224780"/>
             <a:ext cx="1114425" cy="368300"/>
           </a:xfrm>
           <a:prstGeom prst="rect">
@@ -3128,7 +3137,7 @@
         </p:nvSpPr>
         <p:spPr>
           <a:xfrm>
-            <a:off x="9645015" y="833120"/>
+            <a:off x="9715500" y="925195"/>
             <a:ext cx="1442720" cy="368300"/>
           </a:xfrm>
           <a:prstGeom prst="rect">
@@ -3142,10 +3151,18 @@
           </a:bodyPr>
           <a:p>
             <a:r>
-              <a:rPr lang="en-US" altLang="zh-CN"/>
+              <a:rPr lang="en-US" altLang="zh-CN">
+                <a:solidFill>
+                  <a:schemeClr val="accent6"/>
+                </a:solidFill>
+              </a:rPr>
               <a:t>microsoft vae</a:t>
             </a:r>
-            <a:endParaRPr lang="en-US" altLang="zh-CN"/>
+            <a:endParaRPr lang="en-US" altLang="zh-CN">
+              <a:solidFill>
+                <a:schemeClr val="accent6"/>
+              </a:solidFill>
+            </a:endParaRPr>
           </a:p>
         </p:txBody>
       </p:sp>
@@ -3159,16 +3176,18 @@
           <p:nvPr/>
         </p:nvCxnSpPr>
         <p:spPr>
-          <a:xfrm rot="10800000" flipV="1">
-            <a:off x="6846570" y="1017270"/>
-            <a:ext cx="2798445" cy="92075"/>
-          </a:xfrm>
-          <a:prstGeom prst="bentConnector3">
-            <a:avLst>
-              <a:gd name="adj1" fmla="val 49989"/>
-            </a:avLst>
+          <a:xfrm rot="10800000">
+            <a:off x="7397750" y="1109345"/>
+            <a:ext cx="2317750" cy="3175"/>
+          </a:xfrm>
+          <a:prstGeom prst="bentConnector2">
+            <a:avLst/>
           </a:prstGeom>
           <a:ln>
+            <a:solidFill>
+              <a:schemeClr val="accent2"/>
+            </a:solidFill>
+            <a:prstDash val="dash"/>
             <a:tailEnd type="arrow" w="med" len="med"/>
           </a:ln>
         </p:spPr>
@@ -3192,19 +3211,22 @@
           <p:cNvPr id="11" name="肘形连接符 10"/>
           <p:cNvCxnSpPr>
             <a:stCxn id="9" idx="2"/>
-            <a:endCxn id="7" idx="3"/>
+            <a:endCxn id="7" idx="2"/>
           </p:cNvCxnSpPr>
           <p:nvPr/>
         </p:nvCxnSpPr>
         <p:spPr>
           <a:xfrm rot="5400000">
-            <a:off x="7316153" y="562928"/>
-            <a:ext cx="2411730" cy="3688715"/>
-          </a:xfrm>
-          <a:prstGeom prst="bentConnector2">
-            <a:avLst/>
+            <a:off x="6358255" y="431800"/>
+            <a:ext cx="3217545" cy="4939665"/>
+          </a:xfrm>
+          <a:prstGeom prst="bentConnector3">
+            <a:avLst>
+              <a:gd name="adj1" fmla="val 107401"/>
+            </a:avLst>
           </a:prstGeom>
           <a:ln>
+            <a:prstDash val="dash"/>
             <a:tailEnd type="arrow" w="med" len="med"/>
           </a:ln>
         </p:spPr>
@@ -3231,7 +3253,7 @@
         </p:nvSpPr>
         <p:spPr>
           <a:xfrm>
-            <a:off x="8931275" y="5281295"/>
+            <a:off x="9001760" y="5408930"/>
             <a:ext cx="1549400" cy="368300"/>
           </a:xfrm>
           <a:prstGeom prst="rect">
@@ -3245,30 +3267,40 @@
           </a:bodyPr>
           <a:p>
             <a:r>
-              <a:rPr lang="en-US" altLang="zh-CN"/>
+              <a:rPr lang="en-US" altLang="zh-CN">
+                <a:solidFill>
+                  <a:schemeClr val="accent6"/>
+                </a:solidFill>
+              </a:rPr>
               <a:t>speechX paper</a:t>
             </a:r>
-            <a:endParaRPr lang="en-US" altLang="zh-CN"/>
+            <a:endParaRPr lang="en-US" altLang="zh-CN">
+              <a:solidFill>
+                <a:schemeClr val="accent6"/>
+              </a:solidFill>
+            </a:endParaRPr>
           </a:p>
         </p:txBody>
       </p:sp>
       <p:cxnSp>
         <p:nvCxnSpPr>
           <p:cNvPr id="13" name="肘形连接符 12"/>
-          <p:cNvCxnSpPr/>
+          <p:cNvCxnSpPr>
+            <a:stCxn id="12" idx="1"/>
+            <a:endCxn id="8" idx="2"/>
+          </p:cNvCxnSpPr>
           <p:nvPr/>
         </p:nvCxnSpPr>
         <p:spPr>
           <a:xfrm rot="10800000">
-            <a:off x="5594350" y="4393565"/>
-            <a:ext cx="3336925" cy="1071880"/>
-          </a:xfrm>
-          <a:prstGeom prst="bentConnector3">
-            <a:avLst>
-              <a:gd name="adj1" fmla="val 49990"/>
-            </a:avLst>
+            <a:off x="5124450" y="5593080"/>
+            <a:ext cx="3877310" cy="3175"/>
+          </a:xfrm>
+          <a:prstGeom prst="bentConnector2">
+            <a:avLst/>
           </a:prstGeom>
           <a:ln>
+            <a:prstDash val="dash"/>
             <a:tailEnd type="arrow" w="med" len="med"/>
           </a:ln>
         </p:spPr>
@@ -3295,7 +3327,7 @@
         </p:nvSpPr>
         <p:spPr>
           <a:xfrm>
-            <a:off x="1979295" y="2071370"/>
+            <a:off x="561975" y="2011045"/>
             <a:ext cx="1427480" cy="368300"/>
           </a:xfrm>
           <a:prstGeom prst="rect">
@@ -3309,10 +3341,18 @@
           </a:bodyPr>
           <a:p>
             <a:r>
-              <a:rPr lang="en-US" altLang="zh-CN"/>
+              <a:rPr lang="en-US" altLang="zh-CN">
+                <a:solidFill>
+                  <a:schemeClr val="accent6"/>
+                </a:solidFill>
+              </a:rPr>
               <a:t>model design</a:t>
             </a:r>
-            <a:endParaRPr lang="en-US" altLang="zh-CN"/>
+            <a:endParaRPr lang="en-US" altLang="zh-CN">
+              <a:solidFill>
+                <a:schemeClr val="accent6"/>
+              </a:solidFill>
+            </a:endParaRPr>
           </a:p>
         </p:txBody>
       </p:sp>
@@ -3324,8 +3364,8 @@
         </p:nvSpPr>
         <p:spPr>
           <a:xfrm>
-            <a:off x="1979295" y="2638425"/>
-            <a:ext cx="1462405" cy="368300"/>
+            <a:off x="487680" y="2439670"/>
+            <a:ext cx="2977515" cy="368300"/>
           </a:xfrm>
           <a:prstGeom prst="rect">
             <a:avLst/>
@@ -3338,10 +3378,18 @@
           </a:bodyPr>
           <a:p>
             <a:r>
-              <a:rPr lang="en-US" altLang="zh-CN"/>
-              <a:t>corpus design</a:t>
-            </a:r>
-            <a:endParaRPr lang="en-US" altLang="zh-CN"/>
+              <a:rPr lang="en-US" altLang="zh-CN">
+                <a:solidFill>
+                  <a:schemeClr val="accent6"/>
+                </a:solidFill>
+              </a:rPr>
+              <a:t>word frequency corpus design</a:t>
+            </a:r>
+            <a:endParaRPr lang="en-US" altLang="zh-CN">
+              <a:solidFill>
+                <a:schemeClr val="accent6"/>
+              </a:solidFill>
+            </a:endParaRPr>
           </a:p>
         </p:txBody>
       </p:sp>
@@ -3353,7 +3401,7 @@
         </p:nvSpPr>
         <p:spPr>
           <a:xfrm>
-            <a:off x="1979295" y="3244850"/>
+            <a:off x="561975" y="2876550"/>
             <a:ext cx="1091565" cy="368300"/>
           </a:xfrm>
           <a:prstGeom prst="rect">
@@ -3367,10 +3415,18 @@
           </a:bodyPr>
           <a:p>
             <a:r>
-              <a:rPr lang="en-US" altLang="zh-CN"/>
+              <a:rPr lang="en-US" altLang="zh-CN">
+                <a:solidFill>
+                  <a:schemeClr val="accent6"/>
+                </a:solidFill>
+              </a:rPr>
               <a:t>speedy vc</a:t>
             </a:r>
-            <a:endParaRPr lang="en-US" altLang="zh-CN"/>
+            <a:endParaRPr lang="en-US" altLang="zh-CN">
+              <a:solidFill>
+                <a:schemeClr val="accent6"/>
+              </a:solidFill>
+            </a:endParaRPr>
           </a:p>
         </p:txBody>
       </p:sp>
@@ -3382,7 +3438,7 @@
         </p:nvSpPr>
         <p:spPr>
           <a:xfrm>
-            <a:off x="9304655" y="4393565"/>
+            <a:off x="9375140" y="4856480"/>
             <a:ext cx="802640" cy="368300"/>
           </a:xfrm>
           <a:prstGeom prst="rect">
@@ -3396,10 +3452,18 @@
           </a:bodyPr>
           <a:p>
             <a:r>
-              <a:rPr lang="en-US" altLang="zh-CN"/>
+              <a:rPr lang="en-US" altLang="zh-CN">
+                <a:solidFill>
+                  <a:schemeClr val="accent6"/>
+                </a:solidFill>
+              </a:rPr>
               <a:t>autovc</a:t>
             </a:r>
-            <a:endParaRPr lang="en-US" altLang="zh-CN"/>
+            <a:endParaRPr lang="en-US" altLang="zh-CN">
+              <a:solidFill>
+                <a:schemeClr val="accent6"/>
+              </a:solidFill>
+            </a:endParaRPr>
           </a:p>
         </p:txBody>
       </p:sp>
@@ -3413,9 +3477,9 @@
           <p:nvPr/>
         </p:nvCxnSpPr>
         <p:spPr>
-          <a:xfrm rot="10800000">
-            <a:off x="5594350" y="4393565"/>
-            <a:ext cx="3710305" cy="184150"/>
+          <a:xfrm rot="10800000" flipV="1">
+            <a:off x="5681345" y="5040630"/>
+            <a:ext cx="3693795" cy="368300"/>
           </a:xfrm>
           <a:prstGeom prst="bentConnector3">
             <a:avLst>
@@ -3423,6 +3487,7 @@
             </a:avLst>
           </a:prstGeom>
           <a:ln>
+            <a:prstDash val="dash"/>
             <a:tailEnd type="arrow" w="med" len="med"/>
           </a:ln>
         </p:spPr>
@@ -3445,15 +3510,53 @@
         <p:nvCxnSpPr>
           <p:cNvPr id="19" name="肘形连接符 18"/>
           <p:cNvCxnSpPr>
-            <a:stCxn id="6" idx="1"/>
+            <a:stCxn id="6" idx="0"/>
             <a:endCxn id="14" idx="3"/>
           </p:cNvCxnSpPr>
           <p:nvPr/>
         </p:nvCxnSpPr>
         <p:spPr>
+          <a:xfrm rot="16200000" flipV="1">
+            <a:off x="3704908" y="479743"/>
+            <a:ext cx="260985" cy="3691890"/>
+          </a:xfrm>
+          <a:prstGeom prst="bentConnector2">
+            <a:avLst/>
+          </a:prstGeom>
+          <a:ln>
+            <a:prstDash val="dash"/>
+            <a:headEnd type="triangle" w="med" len="med"/>
+            <a:tailEnd type="none" w="med" len="med"/>
+          </a:ln>
+        </p:spPr>
+        <p:style>
+          <a:lnRef idx="2">
+            <a:schemeClr val="accent2"/>
+          </a:lnRef>
+          <a:fillRef idx="0">
+            <a:schemeClr val="accent2"/>
+          </a:fillRef>
+          <a:effectRef idx="1">
+            <a:schemeClr val="accent2"/>
+          </a:effectRef>
+          <a:fontRef idx="minor">
+            <a:schemeClr val="tx1"/>
+          </a:fontRef>
+        </p:style>
+      </p:cxnSp>
+      <p:cxnSp>
+        <p:nvCxnSpPr>
+          <p:cNvPr id="22" name="肘形连接符 21"/>
+          <p:cNvCxnSpPr>
+            <a:stCxn id="6" idx="1"/>
+            <a:endCxn id="15" idx="3"/>
+          </p:cNvCxnSpPr>
+          <p:nvPr/>
+        </p:nvCxnSpPr>
+        <p:spPr>
           <a:xfrm rot="10800000">
-            <a:off x="3406775" y="2255520"/>
-            <a:ext cx="1073150" cy="568960"/>
+            <a:off x="3465195" y="2623820"/>
+            <a:ext cx="1014730" cy="16510"/>
           </a:xfrm>
           <a:prstGeom prst="bentConnector3">
             <a:avLst>
@@ -3461,6 +3564,685 @@
             </a:avLst>
           </a:prstGeom>
           <a:ln>
+            <a:headEnd type="triangle" w="med" len="med"/>
+            <a:tailEnd type="none" w="med" len="med"/>
+          </a:ln>
+        </p:spPr>
+        <p:style>
+          <a:lnRef idx="2">
+            <a:schemeClr val="accent1"/>
+          </a:lnRef>
+          <a:fillRef idx="0">
+            <a:schemeClr val="accent1"/>
+          </a:fillRef>
+          <a:effectRef idx="1">
+            <a:schemeClr val="accent1"/>
+          </a:effectRef>
+          <a:fontRef idx="minor">
+            <a:schemeClr val="tx1"/>
+          </a:fontRef>
+        </p:style>
+      </p:cxnSp>
+      <p:cxnSp>
+        <p:nvCxnSpPr>
+          <p:cNvPr id="23" name="肘形连接符 22"/>
+          <p:cNvCxnSpPr>
+            <a:stCxn id="6" idx="2"/>
+            <a:endCxn id="16" idx="3"/>
+          </p:cNvCxnSpPr>
+          <p:nvPr/>
+        </p:nvCxnSpPr>
+        <p:spPr>
+          <a:xfrm rot="5400000">
+            <a:off x="3549333" y="928688"/>
+            <a:ext cx="236220" cy="4027805"/>
+          </a:xfrm>
+          <a:prstGeom prst="bentConnector2">
+            <a:avLst/>
+          </a:prstGeom>
+          <a:ln>
+            <a:prstDash val="dash"/>
+            <a:headEnd type="triangle" w="med" len="med"/>
+            <a:tailEnd type="none" w="med" len="med"/>
+          </a:ln>
+        </p:spPr>
+        <p:style>
+          <a:lnRef idx="2">
+            <a:schemeClr val="accent2"/>
+          </a:lnRef>
+          <a:fillRef idx="0">
+            <a:schemeClr val="accent2"/>
+          </a:fillRef>
+          <a:effectRef idx="1">
+            <a:schemeClr val="accent2"/>
+          </a:effectRef>
+          <a:fontRef idx="minor">
+            <a:schemeClr val="tx1"/>
+          </a:fontRef>
+        </p:style>
+      </p:cxnSp>
+      <p:sp>
+        <p:nvSpPr>
+          <p:cNvPr id="24" name="文本框 23"/>
+          <p:cNvSpPr txBox="1"/>
+          <p:nvPr/>
+        </p:nvSpPr>
+        <p:spPr>
+          <a:xfrm>
+            <a:off x="561975" y="1541780"/>
+            <a:ext cx="2026285" cy="368300"/>
+          </a:xfrm>
+          <a:prstGeom prst="rect">
+            <a:avLst/>
+          </a:prstGeom>
+          <a:noFill/>
+        </p:spPr>
+        <p:txBody>
+          <a:bodyPr wrap="none" rtlCol="0">
+            <a:spAutoFit/>
+          </a:bodyPr>
+          <a:p>
+            <a:r>
+              <a:rPr lang="en-US" altLang="zh-CN">
+                <a:solidFill>
+                  <a:schemeClr val="accent6"/>
+                </a:solidFill>
+              </a:rPr>
+              <a:t>python equalization</a:t>
+            </a:r>
+            <a:endParaRPr lang="en-US" altLang="zh-CN">
+              <a:solidFill>
+                <a:schemeClr val="accent6"/>
+              </a:solidFill>
+            </a:endParaRPr>
+          </a:p>
+        </p:txBody>
+      </p:sp>
+      <p:cxnSp>
+        <p:nvCxnSpPr>
+          <p:cNvPr id="25" name="肘形连接符 24"/>
+          <p:cNvCxnSpPr>
+            <a:stCxn id="24" idx="3"/>
+            <a:endCxn id="5" idx="1"/>
+          </p:cNvCxnSpPr>
+          <p:nvPr/>
+        </p:nvCxnSpPr>
+        <p:spPr>
+          <a:xfrm>
+            <a:off x="2588260" y="1725930"/>
+            <a:ext cx="1891665" cy="83185"/>
+          </a:xfrm>
+          <a:prstGeom prst="bentConnector3">
+            <a:avLst>
+              <a:gd name="adj1" fmla="val 50017"/>
+            </a:avLst>
+          </a:prstGeom>
+          <a:ln w="12700" cmpd="sng">
+            <a:solidFill>
+              <a:srgbClr val="7030A0"/>
+            </a:solidFill>
+            <a:prstDash val="dash"/>
+            <a:tailEnd type="arrow" w="med" len="med"/>
+          </a:ln>
+        </p:spPr>
+        <p:style>
+          <a:lnRef idx="1">
+            <a:schemeClr val="accent2"/>
+          </a:lnRef>
+          <a:fillRef idx="0">
+            <a:schemeClr val="accent2"/>
+          </a:fillRef>
+          <a:effectRef idx="0">
+            <a:schemeClr val="accent2"/>
+          </a:effectRef>
+          <a:fontRef idx="minor">
+            <a:schemeClr val="tx1"/>
+          </a:fontRef>
+        </p:style>
+      </p:cxnSp>
+      <p:sp>
+        <p:nvSpPr>
+          <p:cNvPr id="2" name="文本框 1"/>
+          <p:cNvSpPr txBox="1"/>
+          <p:nvPr/>
+        </p:nvSpPr>
+        <p:spPr>
+          <a:xfrm>
+            <a:off x="4479925" y="6121400"/>
+            <a:ext cx="2033905" cy="368300"/>
+          </a:xfrm>
+          <a:prstGeom prst="rect">
+            <a:avLst/>
+          </a:prstGeom>
+          <a:noFill/>
+        </p:spPr>
+        <p:txBody>
+          <a:bodyPr wrap="none" rtlCol="0">
+            <a:spAutoFit/>
+          </a:bodyPr>
+          <a:p>
+            <a:r>
+              <a:rPr lang="en-US" altLang="zh-CN"/>
+              <a:t>model effectiveness</a:t>
+            </a:r>
+            <a:endParaRPr lang="en-US" altLang="zh-CN"/>
+          </a:p>
+        </p:txBody>
+      </p:sp>
+      <p:sp>
+        <p:nvSpPr>
+          <p:cNvPr id="3" name="文本框 2"/>
+          <p:cNvSpPr txBox="1"/>
+          <p:nvPr/>
+        </p:nvSpPr>
+        <p:spPr>
+          <a:xfrm>
+            <a:off x="8832215" y="6017895"/>
+            <a:ext cx="2737485" cy="368300"/>
+          </a:xfrm>
+          <a:prstGeom prst="rect">
+            <a:avLst/>
+          </a:prstGeom>
+          <a:noFill/>
+        </p:spPr>
+        <p:txBody>
+          <a:bodyPr wrap="none" rtlCol="0">
+            <a:spAutoFit/>
+          </a:bodyPr>
+          <a:p>
+            <a:r>
+              <a:rPr lang="en-US" altLang="zh-CN">
+                <a:solidFill>
+                  <a:schemeClr val="accent6"/>
+                </a:solidFill>
+              </a:rPr>
+              <a:t>FastSpeech/TransformerTTs</a:t>
+            </a:r>
+            <a:endParaRPr lang="en-US" altLang="zh-CN">
+              <a:solidFill>
+                <a:schemeClr val="accent6"/>
+              </a:solidFill>
+            </a:endParaRPr>
+          </a:p>
+        </p:txBody>
+      </p:sp>
+      <p:cxnSp>
+        <p:nvCxnSpPr>
+          <p:cNvPr id="20" name="肘形连接符 19"/>
+          <p:cNvCxnSpPr>
+            <a:stCxn id="3" idx="1"/>
+            <a:endCxn id="2" idx="3"/>
+          </p:cNvCxnSpPr>
+          <p:nvPr/>
+        </p:nvCxnSpPr>
+        <p:spPr>
+          <a:xfrm rot="10800000" flipV="1">
+            <a:off x="6513830" y="6202045"/>
+            <a:ext cx="2318385" cy="103505"/>
+          </a:xfrm>
+          <a:prstGeom prst="bentConnector3">
+            <a:avLst>
+              <a:gd name="adj1" fmla="val 49986"/>
+            </a:avLst>
+          </a:prstGeom>
+          <a:ln>
+            <a:prstDash val="dash"/>
+            <a:tailEnd type="arrow" w="med" len="med"/>
+          </a:ln>
+        </p:spPr>
+        <p:style>
+          <a:lnRef idx="1">
+            <a:schemeClr val="accent2"/>
+          </a:lnRef>
+          <a:fillRef idx="0">
+            <a:schemeClr val="accent2"/>
+          </a:fillRef>
+          <a:effectRef idx="0">
+            <a:schemeClr val="accent2"/>
+          </a:effectRef>
+          <a:fontRef idx="minor">
+            <a:schemeClr val="tx1"/>
+          </a:fontRef>
+        </p:style>
+      </p:cxnSp>
+      <p:sp>
+        <p:nvSpPr>
+          <p:cNvPr id="21" name="文本框 20"/>
+          <p:cNvSpPr txBox="1"/>
+          <p:nvPr/>
+        </p:nvSpPr>
+        <p:spPr>
+          <a:xfrm>
+            <a:off x="347980" y="3509010"/>
+            <a:ext cx="3117215" cy="368300"/>
+          </a:xfrm>
+          <a:prstGeom prst="rect">
+            <a:avLst/>
+          </a:prstGeom>
+          <a:noFill/>
+        </p:spPr>
+        <p:txBody>
+          <a:bodyPr wrap="none" rtlCol="0">
+            <a:spAutoFit/>
+          </a:bodyPr>
+          <a:p>
+            <a:r>
+              <a:rPr lang="en-US" altLang="zh-CN">
+                <a:solidFill>
+                  <a:schemeClr val="accent6"/>
+                </a:solidFill>
+              </a:rPr>
+              <a:t>djfoote/audioStyleTransfer2016</a:t>
+            </a:r>
+            <a:endParaRPr lang="en-US" altLang="zh-CN">
+              <a:solidFill>
+                <a:schemeClr val="accent6"/>
+              </a:solidFill>
+            </a:endParaRPr>
+          </a:p>
+        </p:txBody>
+      </p:sp>
+      <p:cxnSp>
+        <p:nvCxnSpPr>
+          <p:cNvPr id="26" name="肘形连接符 25"/>
+          <p:cNvCxnSpPr>
+            <a:stCxn id="21" idx="3"/>
+            <a:endCxn id="7" idx="0"/>
+          </p:cNvCxnSpPr>
+          <p:nvPr/>
+        </p:nvCxnSpPr>
+        <p:spPr>
+          <a:xfrm>
+            <a:off x="3465195" y="3693160"/>
+            <a:ext cx="2032000" cy="449580"/>
+          </a:xfrm>
+          <a:prstGeom prst="bentConnector2">
+            <a:avLst/>
+          </a:prstGeom>
+          <a:ln>
+            <a:solidFill>
+              <a:schemeClr val="accent2"/>
+            </a:solidFill>
+            <a:prstDash val="dash"/>
+            <a:tailEnd type="arrow"/>
+          </a:ln>
+        </p:spPr>
+        <p:style>
+          <a:lnRef idx="1">
+            <a:schemeClr val="accent1"/>
+          </a:lnRef>
+          <a:fillRef idx="0">
+            <a:schemeClr val="accent1"/>
+          </a:fillRef>
+          <a:effectRef idx="0">
+            <a:schemeClr val="accent1"/>
+          </a:effectRef>
+          <a:fontRef idx="minor">
+            <a:schemeClr val="tx1"/>
+          </a:fontRef>
+        </p:style>
+      </p:cxnSp>
+      <p:sp>
+        <p:nvSpPr>
+          <p:cNvPr id="27" name="文本框 26"/>
+          <p:cNvSpPr txBox="1"/>
+          <p:nvPr/>
+        </p:nvSpPr>
+        <p:spPr>
+          <a:xfrm>
+            <a:off x="7483475" y="1450340"/>
+            <a:ext cx="897890" cy="368300"/>
+          </a:xfrm>
+          <a:prstGeom prst="rect">
+            <a:avLst/>
+          </a:prstGeom>
+          <a:noFill/>
+        </p:spPr>
+        <p:txBody>
+          <a:bodyPr wrap="none" rtlCol="0">
+            <a:spAutoFit/>
+          </a:bodyPr>
+          <a:p>
+            <a:r>
+              <a:rPr lang="en-US" altLang="zh-CN">
+                <a:solidFill>
+                  <a:schemeClr val="accent6"/>
+                </a:solidFill>
+              </a:rPr>
+              <a:t>quickfix</a:t>
+            </a:r>
+            <a:endParaRPr lang="en-US" altLang="zh-CN">
+              <a:solidFill>
+                <a:schemeClr val="accent6"/>
+              </a:solidFill>
+            </a:endParaRPr>
+          </a:p>
+        </p:txBody>
+      </p:sp>
+      <p:cxnSp>
+        <p:nvCxnSpPr>
+          <p:cNvPr id="28" name="肘形连接符 27"/>
+          <p:cNvCxnSpPr>
+            <a:stCxn id="27" idx="1"/>
+            <a:endCxn id="4" idx="2"/>
+          </p:cNvCxnSpPr>
+          <p:nvPr/>
+        </p:nvCxnSpPr>
+        <p:spPr>
+          <a:xfrm rot="10800000">
+            <a:off x="5939155" y="1293495"/>
+            <a:ext cx="1544320" cy="340995"/>
+          </a:xfrm>
+          <a:prstGeom prst="bentConnector2">
+            <a:avLst/>
+          </a:prstGeom>
+          <a:ln>
+            <a:solidFill>
+              <a:schemeClr val="accent1"/>
+            </a:solidFill>
+            <a:tailEnd type="arrow"/>
+          </a:ln>
+        </p:spPr>
+        <p:style>
+          <a:lnRef idx="1">
+            <a:schemeClr val="accent1"/>
+          </a:lnRef>
+          <a:fillRef idx="0">
+            <a:schemeClr val="accent1"/>
+          </a:fillRef>
+          <a:effectRef idx="0">
+            <a:schemeClr val="accent1"/>
+          </a:effectRef>
+          <a:fontRef idx="minor">
+            <a:schemeClr val="tx1"/>
+          </a:fontRef>
+        </p:style>
+      </p:cxnSp>
+      <p:sp>
+        <p:nvSpPr>
+          <p:cNvPr id="29" name="文本框 28"/>
+          <p:cNvSpPr txBox="1"/>
+          <p:nvPr/>
+        </p:nvSpPr>
+        <p:spPr>
+          <a:xfrm>
+            <a:off x="347980" y="5129530"/>
+            <a:ext cx="2835275" cy="1476375"/>
+          </a:xfrm>
+          <a:prstGeom prst="rect">
+            <a:avLst/>
+          </a:prstGeom>
+          <a:noFill/>
+        </p:spPr>
+        <p:txBody>
+          <a:bodyPr wrap="none" rtlCol="0">
+            <a:spAutoFit/>
+          </a:bodyPr>
+          <a:p>
+            <a:r>
+              <a:rPr lang="en-US" altLang="zh-CN">
+                <a:ln/>
+                <a:solidFill>
+                  <a:schemeClr val="accent1"/>
+                </a:solidFill>
+                <a:effectLst/>
+              </a:rPr>
+              <a:t>blueline: finished</a:t>
+            </a:r>
+            <a:endParaRPr lang="en-US" altLang="zh-CN">
+              <a:ln/>
+              <a:solidFill>
+                <a:schemeClr val="accent1"/>
+              </a:solidFill>
+              <a:effectLst/>
+            </a:endParaRPr>
+          </a:p>
+          <a:p>
+            <a:r>
+              <a:rPr lang="en-US" altLang="zh-CN">
+                <a:ln/>
+                <a:solidFill>
+                  <a:schemeClr val="accent2"/>
+                </a:solidFill>
+                <a:effectLst/>
+              </a:rPr>
+              <a:t>redline: WIP</a:t>
+            </a:r>
+            <a:endParaRPr lang="en-US" altLang="zh-CN">
+              <a:ln/>
+              <a:solidFill>
+                <a:schemeClr val="accent2"/>
+              </a:solidFill>
+              <a:effectLst/>
+            </a:endParaRPr>
+          </a:p>
+          <a:p>
+            <a:r>
+              <a:rPr lang="en-US" altLang="zh-CN">
+                <a:ln/>
+                <a:solidFill>
+                  <a:srgbClr val="7030A0"/>
+                </a:solidFill>
+                <a:effectLst/>
+              </a:rPr>
+              <a:t>purpleline: bad effect/bruise</a:t>
+            </a:r>
+            <a:endParaRPr lang="en-US" altLang="zh-CN">
+              <a:ln/>
+              <a:solidFill>
+                <a:schemeClr val="accent2"/>
+              </a:solidFill>
+              <a:effectLst/>
+            </a:endParaRPr>
+          </a:p>
+          <a:p>
+            <a:r>
+              <a:rPr lang="en-US" altLang="zh-CN">
+                <a:ln/>
+                <a:solidFill>
+                  <a:schemeClr val="tx1"/>
+                </a:solidFill>
+                <a:effectLst/>
+              </a:rPr>
+              <a:t>words in black: target</a:t>
+            </a:r>
+            <a:endParaRPr lang="en-US" altLang="zh-CN">
+              <a:ln/>
+              <a:solidFill>
+                <a:schemeClr val="tx1"/>
+              </a:solidFill>
+              <a:effectLst/>
+            </a:endParaRPr>
+          </a:p>
+          <a:p>
+            <a:r>
+              <a:rPr lang="en-US" altLang="zh-CN">
+                <a:ln/>
+                <a:solidFill>
+                  <a:schemeClr val="accent6"/>
+                </a:solidFill>
+                <a:effectLst/>
+              </a:rPr>
+              <a:t>words in green: approach</a:t>
+            </a:r>
+            <a:endParaRPr lang="en-US" altLang="zh-CN">
+              <a:ln/>
+              <a:solidFill>
+                <a:schemeClr val="accent6"/>
+              </a:solidFill>
+              <a:effectLst/>
+            </a:endParaRPr>
+          </a:p>
+        </p:txBody>
+      </p:sp>
+      <p:sp>
+        <p:nvSpPr>
+          <p:cNvPr id="30" name="文本框 29"/>
+          <p:cNvSpPr txBox="1"/>
+          <p:nvPr/>
+        </p:nvSpPr>
+        <p:spPr>
+          <a:xfrm>
+            <a:off x="7710170" y="2195195"/>
+            <a:ext cx="2124710" cy="368300"/>
+          </a:xfrm>
+          <a:prstGeom prst="rect">
+            <a:avLst/>
+          </a:prstGeom>
+          <a:noFill/>
+        </p:spPr>
+        <p:txBody>
+          <a:bodyPr wrap="none" rtlCol="0">
+            <a:spAutoFit/>
+          </a:bodyPr>
+          <a:p>
+            <a:pPr algn="l"/>
+            <a:r>
+              <a:rPr lang="en-US" altLang="zh-CN">
+                <a:solidFill>
+                  <a:schemeClr val="accent6"/>
+                </a:solidFill>
+                <a:sym typeface="+mn-ea"/>
+              </a:rPr>
+              <a:t>change GAN vocoder</a:t>
+            </a:r>
+            <a:endParaRPr lang="zh-CN" altLang="en-US"/>
+          </a:p>
+        </p:txBody>
+      </p:sp>
+      <p:cxnSp>
+        <p:nvCxnSpPr>
+          <p:cNvPr id="31" name="肘形连接符 30"/>
+          <p:cNvCxnSpPr>
+            <a:stCxn id="30" idx="1"/>
+            <a:endCxn id="5" idx="3"/>
+          </p:cNvCxnSpPr>
+          <p:nvPr/>
+        </p:nvCxnSpPr>
+        <p:spPr>
+          <a:xfrm rot="10800000">
+            <a:off x="5919470" y="1809115"/>
+            <a:ext cx="1790700" cy="570230"/>
+          </a:xfrm>
+          <a:prstGeom prst="bentConnector3">
+            <a:avLst>
+              <a:gd name="adj1" fmla="val 50000"/>
+            </a:avLst>
+          </a:prstGeom>
+          <a:ln>
+            <a:prstDash val="dash"/>
+            <a:tailEnd type="arrow" w="med" len="med"/>
+          </a:ln>
+        </p:spPr>
+        <p:style>
+          <a:lnRef idx="1">
+            <a:schemeClr val="accent2"/>
+          </a:lnRef>
+          <a:fillRef idx="0">
+            <a:schemeClr val="accent2"/>
+          </a:fillRef>
+          <a:effectRef idx="0">
+            <a:schemeClr val="accent2"/>
+          </a:effectRef>
+          <a:fontRef idx="minor">
+            <a:schemeClr val="tx1"/>
+          </a:fontRef>
+        </p:style>
+      </p:cxnSp>
+      <p:sp>
+        <p:nvSpPr>
+          <p:cNvPr id="32" name="文本框 31"/>
+          <p:cNvSpPr txBox="1"/>
+          <p:nvPr/>
+        </p:nvSpPr>
+        <p:spPr>
+          <a:xfrm>
+            <a:off x="646430" y="4142105"/>
+            <a:ext cx="3149600" cy="368300"/>
+          </a:xfrm>
+          <a:prstGeom prst="rect">
+            <a:avLst/>
+          </a:prstGeom>
+          <a:noFill/>
+        </p:spPr>
+        <p:txBody>
+          <a:bodyPr wrap="none" rtlCol="0">
+            <a:spAutoFit/>
+          </a:bodyPr>
+          <a:p>
+            <a:pPr algn="l"/>
+            <a:r>
+              <a:rPr lang="en-US" altLang="zh-CN">
+                <a:solidFill>
+                  <a:schemeClr val="accent6"/>
+                </a:solidFill>
+                <a:sym typeface="+mn-ea"/>
+              </a:rPr>
+              <a:t>daylen/audioStyleClassifier2016</a:t>
+            </a:r>
+            <a:endParaRPr lang="zh-CN" altLang="en-US"/>
+          </a:p>
+        </p:txBody>
+      </p:sp>
+      <p:sp>
+        <p:nvSpPr>
+          <p:cNvPr id="33" name="文本框 32"/>
+          <p:cNvSpPr txBox="1"/>
+          <p:nvPr/>
+        </p:nvSpPr>
+        <p:spPr>
+          <a:xfrm>
+            <a:off x="6595745" y="3509010"/>
+            <a:ext cx="3462655" cy="368300"/>
+          </a:xfrm>
+          <a:prstGeom prst="rect">
+            <a:avLst/>
+          </a:prstGeom>
+          <a:noFill/>
+        </p:spPr>
+        <p:txBody>
+          <a:bodyPr wrap="none" rtlCol="0">
+            <a:spAutoFit/>
+          </a:bodyPr>
+          <a:p>
+            <a:pPr algn="l"/>
+            <a:r>
+              <a:rPr lang="en-US" altLang="zh-CN">
+                <a:solidFill>
+                  <a:schemeClr val="accent6"/>
+                </a:solidFill>
+                <a:sym typeface="+mn-ea"/>
+              </a:rPr>
+              <a:t>DmitryUlyanov/neuralStyleAudioTF</a:t>
+            </a:r>
+            <a:endParaRPr lang="zh-CN" altLang="en-US"/>
+          </a:p>
+        </p:txBody>
+      </p:sp>
+      <p:cxnSp>
+        <p:nvCxnSpPr>
+          <p:cNvPr id="34" name="肘形连接符 33"/>
+          <p:cNvCxnSpPr>
+            <a:stCxn id="32" idx="3"/>
+            <a:endCxn id="7" idx="1"/>
+          </p:cNvCxnSpPr>
+          <p:nvPr/>
+        </p:nvCxnSpPr>
+        <p:spPr>
+          <a:xfrm>
+            <a:off x="3796030" y="4326255"/>
+            <a:ext cx="601980" cy="635"/>
+          </a:xfrm>
+          <a:prstGeom prst="bentConnector3">
+            <a:avLst>
+              <a:gd name="adj1" fmla="val 50000"/>
+            </a:avLst>
+          </a:prstGeom>
+          <a:ln>
+            <a:solidFill>
+              <a:schemeClr val="accent2"/>
+            </a:solidFill>
+            <a:prstDash val="dash"/>
             <a:tailEnd type="arrow"/>
           </a:ln>
         </p:spPr>
@@ -3481,24 +4263,26 @@
       </p:cxnSp>
       <p:cxnSp>
         <p:nvCxnSpPr>
-          <p:cNvPr id="22" name="肘形连接符 21"/>
+          <p:cNvPr id="36" name="肘形连接符 35"/>
           <p:cNvCxnSpPr>
-            <a:stCxn id="6" idx="1"/>
-            <a:endCxn id="15" idx="3"/>
+            <a:stCxn id="33" idx="2"/>
+            <a:endCxn id="7" idx="3"/>
           </p:cNvCxnSpPr>
           <p:nvPr/>
         </p:nvCxnSpPr>
         <p:spPr>
-          <a:xfrm rot="10800000">
-            <a:off x="3441700" y="2822575"/>
-            <a:ext cx="1038225" cy="1905"/>
-          </a:xfrm>
-          <a:prstGeom prst="bentConnector3">
-            <a:avLst>
-              <a:gd name="adj1" fmla="val 49969"/>
-            </a:avLst>
+          <a:xfrm rot="5400000">
+            <a:off x="7236778" y="3236278"/>
+            <a:ext cx="449580" cy="1731645"/>
+          </a:xfrm>
+          <a:prstGeom prst="bentConnector2">
+            <a:avLst/>
           </a:prstGeom>
           <a:ln>
+            <a:solidFill>
+              <a:schemeClr val="accent2"/>
+            </a:solidFill>
+            <a:prstDash val="dash"/>
             <a:tailEnd type="arrow"/>
           </a:ln>
         </p:spPr>
@@ -3517,54 +4301,16 @@
           </a:fontRef>
         </p:style>
       </p:cxnSp>
-      <p:cxnSp>
-        <p:nvCxnSpPr>
-          <p:cNvPr id="23" name="肘形连接符 22"/>
-          <p:cNvCxnSpPr>
-            <a:stCxn id="6" idx="1"/>
-            <a:endCxn id="16" idx="3"/>
-          </p:cNvCxnSpPr>
-          <p:nvPr/>
-        </p:nvCxnSpPr>
-        <p:spPr>
-          <a:xfrm rot="10800000" flipV="1">
-            <a:off x="3070860" y="2824480"/>
-            <a:ext cx="1409065" cy="604520"/>
-          </a:xfrm>
-          <a:prstGeom prst="bentConnector3">
-            <a:avLst>
-              <a:gd name="adj1" fmla="val 49977"/>
-            </a:avLst>
-          </a:prstGeom>
-          <a:ln>
-            <a:tailEnd type="arrow"/>
-          </a:ln>
-        </p:spPr>
-        <p:style>
-          <a:lnRef idx="1">
-            <a:schemeClr val="accent1"/>
-          </a:lnRef>
-          <a:fillRef idx="0">
-            <a:schemeClr val="accent1"/>
-          </a:fillRef>
-          <a:effectRef idx="0">
-            <a:schemeClr val="accent1"/>
-          </a:effectRef>
-          <a:fontRef idx="minor">
-            <a:schemeClr val="tx1"/>
-          </a:fontRef>
-        </p:style>
-      </p:cxnSp>
-      <p:sp>
-        <p:nvSpPr>
-          <p:cNvPr id="24" name="文本框 23"/>
+      <p:sp>
+        <p:nvSpPr>
+          <p:cNvPr id="37" name="文本框 36"/>
           <p:cNvSpPr txBox="1"/>
           <p:nvPr/>
         </p:nvSpPr>
         <p:spPr>
           <a:xfrm>
-            <a:off x="7710170" y="1723390"/>
-            <a:ext cx="1420495" cy="368300"/>
+            <a:off x="561975" y="1173480"/>
+            <a:ext cx="1877060" cy="368300"/>
           </a:xfrm>
           <a:prstGeom prst="rect">
             <a:avLst/>
@@ -3577,33 +4323,43 @@
           </a:bodyPr>
           <a:p>
             <a:r>
-              <a:rPr lang="en-US" altLang="zh-CN"/>
-              <a:t>equalization?</a:t>
-            </a:r>
-            <a:endParaRPr lang="zh-CN" altLang="en-US"/>
+              <a:rPr lang="en-US" altLang="zh-CN">
+                <a:solidFill>
+                  <a:schemeClr val="accent6"/>
+                </a:solidFill>
+              </a:rPr>
+              <a:t>other equalization</a:t>
+            </a:r>
+            <a:endParaRPr lang="en-US" altLang="zh-CN">
+              <a:solidFill>
+                <a:schemeClr val="accent6"/>
+              </a:solidFill>
+            </a:endParaRPr>
           </a:p>
         </p:txBody>
       </p:sp>
       <p:cxnSp>
         <p:nvCxnSpPr>
-          <p:cNvPr id="25" name="肘形连接符 24"/>
+          <p:cNvPr id="38" name="肘形连接符 37"/>
           <p:cNvCxnSpPr>
-            <a:stCxn id="24" idx="1"/>
-            <a:endCxn id="5" idx="3"/>
+            <a:stCxn id="37" idx="3"/>
+            <a:endCxn id="5" idx="0"/>
           </p:cNvCxnSpPr>
           <p:nvPr/>
         </p:nvCxnSpPr>
         <p:spPr>
-          <a:xfrm rot="10800000">
-            <a:off x="5919470" y="1808480"/>
-            <a:ext cx="1790700" cy="98425"/>
-          </a:xfrm>
-          <a:prstGeom prst="bentConnector3">
-            <a:avLst>
-              <a:gd name="adj1" fmla="val 50000"/>
-            </a:avLst>
+          <a:xfrm>
+            <a:off x="2439035" y="1357630"/>
+            <a:ext cx="2760980" cy="267335"/>
+          </a:xfrm>
+          <a:prstGeom prst="bentConnector2">
+            <a:avLst/>
           </a:prstGeom>
           <a:ln>
+            <a:solidFill>
+              <a:schemeClr val="accent2"/>
+            </a:solidFill>
+            <a:prstDash val="dash"/>
             <a:tailEnd type="arrow" w="med" len="med"/>
           </a:ln>
         </p:spPr>
@@ -3663,6 +4419,10 @@
           <a:p>
             <a:r>
               <a:rPr lang="zh-CN" altLang="en-US"/>
+              <a:t>抢滩的</a:t>
+            </a:r>
+            <a:r>
+              <a:rPr lang="zh-CN" altLang="en-US"/>
               <a:t>方向：</a:t>
             </a:r>
             <a:endParaRPr lang="en-US" altLang="zh-CN"/>
@@ -3721,6 +4481,78 @@
               <a:t>噪声数据建立系统</a:t>
             </a:r>
             <a:endParaRPr lang="zh-CN" altLang="en-US"/>
+          </a:p>
+        </p:txBody>
+      </p:sp>
+    </p:spTree>
+  </p:cSld>
+  <p:clrMapOvr>
+    <a:masterClrMapping/>
+  </p:clrMapOvr>
+</p:sld>
+</file>
+
+<file path=ppt/slides/slide4.xml><?xml version="1.0" encoding="utf-8"?>
+<p:sld xmlns:a="http://schemas.openxmlformats.org/drawingml/2006/main" xmlns:r="http://schemas.openxmlformats.org/officeDocument/2006/relationships" xmlns:p="http://schemas.openxmlformats.org/presentationml/2006/main">
+  <p:cSld>
+    <p:spTree>
+      <p:nvGrpSpPr>
+        <p:cNvPr id="1" name=""/>
+        <p:cNvGrpSpPr/>
+        <p:nvPr/>
+      </p:nvGrpSpPr>
+      <p:grpSpPr/>
+      <p:sp>
+        <p:nvSpPr>
+          <p:cNvPr id="2" name="标题 1"/>
+          <p:cNvSpPr>
+            <a:spLocks noGrp="1"/>
+          </p:cNvSpPr>
+          <p:nvPr>
+            <p:ph type="title"/>
+          </p:nvPr>
+        </p:nvSpPr>
+        <p:spPr/>
+        <p:txBody>
+          <a:bodyPr/>
+          <a:p>
+            <a:r>
+              <a:rPr lang="en-US" altLang="zh-CN"/>
+              <a:t>nlp</a:t>
+            </a:r>
+            <a:endParaRPr lang="en-US" altLang="zh-CN"/>
+          </a:p>
+        </p:txBody>
+      </p:sp>
+      <p:sp>
+        <p:nvSpPr>
+          <p:cNvPr id="3" name="内容占位符 2"/>
+          <p:cNvSpPr>
+            <a:spLocks noGrp="1"/>
+          </p:cNvSpPr>
+          <p:nvPr>
+            <p:ph idx="1"/>
+          </p:nvPr>
+        </p:nvSpPr>
+        <p:spPr/>
+        <p:txBody>
+          <a:bodyPr/>
+          <a:p>
+            <a:r>
+              <a:rPr lang="en-US" altLang="zh-CN"/>
+              <a:t>spacy</a:t>
+            </a:r>
+            <a:endParaRPr lang="en-US" altLang="zh-CN"/>
+          </a:p>
+          <a:p>
+            <a:r>
+              <a:rPr lang="en-US" altLang="zh-CN"/>
+              <a:t>nltk</a:t>
+            </a:r>
+            <a:endParaRPr lang="en-US" altLang="zh-CN"/>
+          </a:p>
+          <a:p>
+            <a:endParaRPr lang="en-US" altLang="zh-CN"/>
           </a:p>
         </p:txBody>
       </p:sp>

--- a/tts.pptx
+++ b/tts.pptx
@@ -3981,7 +3981,6 @@
           <a:p>
             <a:r>
               <a:rPr lang="en-US" altLang="zh-CN">
-                <a:ln/>
                 <a:solidFill>
                   <a:schemeClr val="accent1"/>
                 </a:solidFill>
@@ -3990,7 +3989,6 @@
               <a:t>blueline: finished</a:t>
             </a:r>
             <a:endParaRPr lang="en-US" altLang="zh-CN">
-              <a:ln/>
               <a:solidFill>
                 <a:schemeClr val="accent1"/>
               </a:solidFill>
@@ -4000,7 +3998,6 @@
           <a:p>
             <a:r>
               <a:rPr lang="en-US" altLang="zh-CN">
-                <a:ln/>
                 <a:solidFill>
                   <a:schemeClr val="accent2"/>
                 </a:solidFill>
@@ -4009,7 +4006,6 @@
               <a:t>redline: WIP</a:t>
             </a:r>
             <a:endParaRPr lang="en-US" altLang="zh-CN">
-              <a:ln/>
               <a:solidFill>
                 <a:schemeClr val="accent2"/>
               </a:solidFill>
@@ -4019,7 +4015,6 @@
           <a:p>
             <a:r>
               <a:rPr lang="en-US" altLang="zh-CN">
-                <a:ln/>
                 <a:solidFill>
                   <a:srgbClr val="7030A0"/>
                 </a:solidFill>
@@ -4028,7 +4023,6 @@
               <a:t>purpleline: bad effect/bruise</a:t>
             </a:r>
             <a:endParaRPr lang="en-US" altLang="zh-CN">
-              <a:ln/>
               <a:solidFill>
                 <a:schemeClr val="accent2"/>
               </a:solidFill>
@@ -4038,7 +4032,6 @@
           <a:p>
             <a:r>
               <a:rPr lang="en-US" altLang="zh-CN">
-                <a:ln/>
                 <a:solidFill>
                   <a:schemeClr val="tx1"/>
                 </a:solidFill>
@@ -4047,7 +4040,6 @@
               <a:t>words in black: target</a:t>
             </a:r>
             <a:endParaRPr lang="en-US" altLang="zh-CN">
-              <a:ln/>
               <a:solidFill>
                 <a:schemeClr val="tx1"/>
               </a:solidFill>
@@ -4057,7 +4049,6 @@
           <a:p>
             <a:r>
               <a:rPr lang="en-US" altLang="zh-CN">
-                <a:ln/>
                 <a:solidFill>
                   <a:schemeClr val="accent6"/>
                 </a:solidFill>
@@ -4066,7 +4057,6 @@
               <a:t>words in green: approach</a:t>
             </a:r>
             <a:endParaRPr lang="en-US" altLang="zh-CN">
-              <a:ln/>
               <a:solidFill>
                 <a:schemeClr val="accent6"/>
               </a:solidFill>
@@ -4378,6 +4368,35 @@
           </a:fontRef>
         </p:style>
       </p:cxnSp>
+      <p:sp>
+        <p:nvSpPr>
+          <p:cNvPr id="35" name="文本框 34"/>
+          <p:cNvSpPr txBox="1"/>
+          <p:nvPr/>
+        </p:nvSpPr>
+        <p:spPr>
+          <a:xfrm>
+            <a:off x="646430" y="234950"/>
+            <a:ext cx="2240915" cy="368300"/>
+          </a:xfrm>
+          <a:prstGeom prst="rect">
+            <a:avLst/>
+          </a:prstGeom>
+          <a:noFill/>
+        </p:spPr>
+        <p:txBody>
+          <a:bodyPr wrap="none" rtlCol="0">
+            <a:spAutoFit/>
+          </a:bodyPr>
+          <a:p>
+            <a:r>
+              <a:rPr lang="en-US" altLang="zh-CN"/>
+              <a:t>ENGLISH VERSION TTS</a:t>
+            </a:r>
+            <a:endParaRPr lang="en-US" altLang="zh-CN"/>
+          </a:p>
+        </p:txBody>
+      </p:sp>
     </p:spTree>
   </p:cSld>
   <p:clrMapOvr>
@@ -4419,11 +4438,7 @@
           <a:p>
             <a:r>
               <a:rPr lang="zh-CN" altLang="en-US"/>
-              <a:t>抢滩的</a:t>
-            </a:r>
-            <a:r>
-              <a:rPr lang="zh-CN" altLang="en-US"/>
-              <a:t>方向：</a:t>
+              <a:t>抢滩的方向：</a:t>
             </a:r>
             <a:endParaRPr lang="en-US" altLang="zh-CN"/>
           </a:p>

--- a/tts.pptx
+++ b/tts.pptx
@@ -2933,7 +2933,7 @@
           <a:p>
             <a:r>
               <a:rPr lang="en-US" altLang="zh-CN"/>
-              <a:t>product blueprint</a:t>
+              <a:t>product tech plan</a:t>
             </a:r>
             <a:endParaRPr lang="en-US" altLang="zh-CN"/>
           </a:p>
@@ -3153,14 +3153,14 @@
             <a:r>
               <a:rPr lang="en-US" altLang="zh-CN">
                 <a:solidFill>
-                  <a:schemeClr val="accent6"/>
+                  <a:schemeClr val="accent2"/>
                 </a:solidFill>
               </a:rPr>
               <a:t>microsoft vae</a:t>
             </a:r>
             <a:endParaRPr lang="en-US" altLang="zh-CN">
               <a:solidFill>
-                <a:schemeClr val="accent6"/>
+                <a:schemeClr val="accent2"/>
               </a:solidFill>
             </a:endParaRPr>
           </a:p>
@@ -3269,14 +3269,14 @@
             <a:r>
               <a:rPr lang="en-US" altLang="zh-CN">
                 <a:solidFill>
-                  <a:schemeClr val="accent6"/>
+                  <a:schemeClr val="accent2"/>
                 </a:solidFill>
               </a:rPr>
               <a:t>speechX paper</a:t>
             </a:r>
             <a:endParaRPr lang="en-US" altLang="zh-CN">
               <a:solidFill>
-                <a:schemeClr val="accent6"/>
+                <a:schemeClr val="accent2"/>
               </a:solidFill>
             </a:endParaRPr>
           </a:p>
@@ -3343,14 +3343,14 @@
             <a:r>
               <a:rPr lang="en-US" altLang="zh-CN">
                 <a:solidFill>
-                  <a:schemeClr val="accent6"/>
+                  <a:schemeClr val="accent2"/>
                 </a:solidFill>
               </a:rPr>
               <a:t>model design</a:t>
             </a:r>
             <a:endParaRPr lang="en-US" altLang="zh-CN">
               <a:solidFill>
-                <a:schemeClr val="accent6"/>
+                <a:schemeClr val="accent2"/>
               </a:solidFill>
             </a:endParaRPr>
           </a:p>
@@ -3417,14 +3417,14 @@
             <a:r>
               <a:rPr lang="en-US" altLang="zh-CN">
                 <a:solidFill>
-                  <a:schemeClr val="accent6"/>
+                  <a:schemeClr val="accent2"/>
                 </a:solidFill>
               </a:rPr>
               <a:t>speedy vc</a:t>
             </a:r>
             <a:endParaRPr lang="en-US" altLang="zh-CN">
               <a:solidFill>
-                <a:schemeClr val="accent6"/>
+                <a:schemeClr val="accent2"/>
               </a:solidFill>
             </a:endParaRPr>
           </a:p>
@@ -3454,14 +3454,14 @@
             <a:r>
               <a:rPr lang="en-US" altLang="zh-CN">
                 <a:solidFill>
-                  <a:schemeClr val="accent6"/>
+                  <a:schemeClr val="accent2"/>
                 </a:solidFill>
               </a:rPr>
               <a:t>autovc</a:t>
             </a:r>
             <a:endParaRPr lang="en-US" altLang="zh-CN">
               <a:solidFill>
-                <a:schemeClr val="accent6"/>
+                <a:schemeClr val="accent2"/>
               </a:solidFill>
             </a:endParaRPr>
           </a:p>
@@ -3564,6 +3564,9 @@
             </a:avLst>
           </a:prstGeom>
           <a:ln>
+            <a:solidFill>
+              <a:schemeClr val="accent6"/>
+            </a:solidFill>
             <a:headEnd type="triangle" w="med" len="med"/>
             <a:tailEnd type="none" w="med" len="med"/>
           </a:ln>
@@ -3645,14 +3648,14 @@
             <a:r>
               <a:rPr lang="en-US" altLang="zh-CN">
                 <a:solidFill>
-                  <a:schemeClr val="accent6"/>
+                  <a:srgbClr val="7030A0"/>
                 </a:solidFill>
               </a:rPr>
               <a:t>python equalization</a:t>
             </a:r>
             <a:endParaRPr lang="en-US" altLang="zh-CN">
               <a:solidFill>
-                <a:schemeClr val="accent6"/>
+                <a:srgbClr val="7030A0"/>
               </a:solidFill>
             </a:endParaRPr>
           </a:p>
@@ -3737,7 +3740,7 @@
         </p:nvSpPr>
         <p:spPr>
           <a:xfrm>
-            <a:off x="8832215" y="6017895"/>
+            <a:off x="8832215" y="6121400"/>
             <a:ext cx="2737485" cy="368300"/>
           </a:xfrm>
           <a:prstGeom prst="rect">
@@ -3753,14 +3756,14 @@
             <a:r>
               <a:rPr lang="en-US" altLang="zh-CN">
                 <a:solidFill>
-                  <a:schemeClr val="accent6"/>
+                  <a:schemeClr val="accent2"/>
                 </a:solidFill>
               </a:rPr>
               <a:t>FastSpeech/TransformerTTs</a:t>
             </a:r>
             <a:endParaRPr lang="en-US" altLang="zh-CN">
               <a:solidFill>
-                <a:schemeClr val="accent6"/>
+                <a:schemeClr val="accent2"/>
               </a:solidFill>
             </a:endParaRPr>
           </a:p>
@@ -3776,14 +3779,12 @@
           <p:nvPr/>
         </p:nvCxnSpPr>
         <p:spPr>
-          <a:xfrm rot="10800000" flipV="1">
-            <a:off x="6513830" y="6202045"/>
-            <a:ext cx="2318385" cy="103505"/>
-          </a:xfrm>
-          <a:prstGeom prst="bentConnector3">
-            <a:avLst>
-              <a:gd name="adj1" fmla="val 49986"/>
-            </a:avLst>
+          <a:xfrm rot="10800000">
+            <a:off x="6513830" y="6305550"/>
+            <a:ext cx="2318385" cy="3175"/>
+          </a:xfrm>
+          <a:prstGeom prst="bentConnector2">
+            <a:avLst/>
           </a:prstGeom>
           <a:ln>
             <a:prstDash val="dash"/>
@@ -3829,14 +3830,14 @@
             <a:r>
               <a:rPr lang="en-US" altLang="zh-CN">
                 <a:solidFill>
-                  <a:schemeClr val="accent6"/>
+                  <a:schemeClr val="accent2"/>
                 </a:solidFill>
               </a:rPr>
               <a:t>djfoote/audioStyleTransfer2016</a:t>
             </a:r>
             <a:endParaRPr lang="en-US" altLang="zh-CN">
               <a:solidFill>
-                <a:schemeClr val="accent6"/>
+                <a:schemeClr val="accent2"/>
               </a:solidFill>
             </a:endParaRPr>
           </a:p>
@@ -3890,7 +3891,7 @@
         </p:nvSpPr>
         <p:spPr>
           <a:xfrm>
-            <a:off x="7483475" y="1450340"/>
+            <a:off x="7934325" y="1440815"/>
             <a:ext cx="897890" cy="368300"/>
           </a:xfrm>
           <a:prstGeom prst="rect">
@@ -3931,14 +3932,14 @@
         <p:spPr>
           <a:xfrm rot="10800000">
             <a:off x="5939155" y="1293495"/>
-            <a:ext cx="1544320" cy="340995"/>
+            <a:ext cx="1995170" cy="331470"/>
           </a:xfrm>
           <a:prstGeom prst="bentConnector2">
             <a:avLst/>
           </a:prstGeom>
           <a:ln>
             <a:solidFill>
-              <a:schemeClr val="accent1"/>
+              <a:schemeClr val="accent6"/>
             </a:solidFill>
             <a:tailEnd type="arrow"/>
           </a:ln>
@@ -3966,27 +3967,44 @@
         </p:nvSpPr>
         <p:spPr>
           <a:xfrm>
-            <a:off x="347980" y="5129530"/>
-            <a:ext cx="2835275" cy="1476375"/>
+            <a:off x="27940" y="5332095"/>
+            <a:ext cx="2496185" cy="1476375"/>
           </a:xfrm>
           <a:prstGeom prst="rect">
             <a:avLst/>
           </a:prstGeom>
           <a:noFill/>
+          <a:ln w="3175">
+            <a:solidFill>
+              <a:schemeClr val="accent6"/>
+            </a:solidFill>
+            <a:prstDash val="lgDash"/>
+          </a:ln>
         </p:spPr>
         <p:txBody>
           <a:bodyPr wrap="none" rtlCol="0">
             <a:spAutoFit/>
           </a:bodyPr>
           <a:p>
+            <a:pPr algn="l"/>
+            <a:r>
+              <a:rPr lang="en-US" altLang="zh-CN" u="sng">
+                <a:sym typeface="+mn-ea"/>
+              </a:rPr>
+              <a:t>ENGLISH VERSION TTS</a:t>
+            </a:r>
+            <a:endParaRPr lang="en-US" altLang="zh-CN"/>
+          </a:p>
+          <a:p>
+            <a:pPr algn="l"/>
             <a:r>
               <a:rPr lang="en-US" altLang="zh-CN">
                 <a:solidFill>
-                  <a:schemeClr val="accent1"/>
+                  <a:schemeClr val="accent6"/>
                 </a:solidFill>
                 <a:effectLst/>
               </a:rPr>
-              <a:t>blueline: finished</a:t>
+              <a:t>blue: finished</a:t>
             </a:r>
             <a:endParaRPr lang="en-US" altLang="zh-CN">
               <a:solidFill>
@@ -3996,6 +4014,7 @@
             </a:endParaRPr>
           </a:p>
           <a:p>
+            <a:pPr algn="l"/>
             <a:r>
               <a:rPr lang="en-US" altLang="zh-CN">
                 <a:solidFill>
@@ -4003,7 +4022,7 @@
                 </a:solidFill>
                 <a:effectLst/>
               </a:rPr>
-              <a:t>redline: WIP</a:t>
+              <a:t>red: WIP</a:t>
             </a:r>
             <a:endParaRPr lang="en-US" altLang="zh-CN">
               <a:solidFill>
@@ -4013,6 +4032,7 @@
             </a:endParaRPr>
           </a:p>
           <a:p>
+            <a:pPr algn="l"/>
             <a:r>
               <a:rPr lang="en-US" altLang="zh-CN">
                 <a:solidFill>
@@ -4020,7 +4040,7 @@
                 </a:solidFill>
                 <a:effectLst/>
               </a:rPr>
-              <a:t>purpleline: bad effect/bruise</a:t>
+              <a:t>purple: bad effect/bruise</a:t>
             </a:r>
             <a:endParaRPr lang="en-US" altLang="zh-CN">
               <a:solidFill>
@@ -4030,6 +4050,7 @@
             </a:endParaRPr>
           </a:p>
           <a:p>
+            <a:pPr algn="l"/>
             <a:r>
               <a:rPr lang="en-US" altLang="zh-CN">
                 <a:solidFill>
@@ -4037,24 +4058,7 @@
                 </a:solidFill>
                 <a:effectLst/>
               </a:rPr>
-              <a:t>words in black: target</a:t>
-            </a:r>
-            <a:endParaRPr lang="en-US" altLang="zh-CN">
-              <a:solidFill>
-                <a:schemeClr val="tx1"/>
-              </a:solidFill>
-              <a:effectLst/>
-            </a:endParaRPr>
-          </a:p>
-          <a:p>
-            <a:r>
-              <a:rPr lang="en-US" altLang="zh-CN">
-                <a:solidFill>
-                  <a:schemeClr val="accent6"/>
-                </a:solidFill>
-                <a:effectLst/>
-              </a:rPr>
-              <a:t>words in green: approach</a:t>
+              <a:t>black: target</a:t>
             </a:r>
             <a:endParaRPr lang="en-US" altLang="zh-CN">
               <a:solidFill>
@@ -4090,13 +4094,18 @@
             <a:r>
               <a:rPr lang="en-US" altLang="zh-CN">
                 <a:solidFill>
-                  <a:schemeClr val="accent6"/>
+                  <a:schemeClr val="accent2"/>
                 </a:solidFill>
                 <a:sym typeface="+mn-ea"/>
               </a:rPr>
               <a:t>change GAN vocoder</a:t>
             </a:r>
-            <a:endParaRPr lang="zh-CN" altLang="en-US"/>
+            <a:endParaRPr lang="en-US" altLang="zh-CN">
+              <a:solidFill>
+                <a:schemeClr val="accent2"/>
+              </a:solidFill>
+              <a:sym typeface="+mn-ea"/>
+            </a:endParaRPr>
           </a:p>
         </p:txBody>
       </p:sp>
@@ -4164,13 +4173,18 @@
             <a:r>
               <a:rPr lang="en-US" altLang="zh-CN">
                 <a:solidFill>
-                  <a:schemeClr val="accent6"/>
+                  <a:schemeClr val="accent2"/>
                 </a:solidFill>
                 <a:sym typeface="+mn-ea"/>
               </a:rPr>
               <a:t>daylen/audioStyleClassifier2016</a:t>
             </a:r>
-            <a:endParaRPr lang="zh-CN" altLang="en-US"/>
+            <a:endParaRPr lang="en-US" altLang="zh-CN">
+              <a:solidFill>
+                <a:schemeClr val="accent2"/>
+              </a:solidFill>
+              <a:sym typeface="+mn-ea"/>
+            </a:endParaRPr>
           </a:p>
         </p:txBody>
       </p:sp>
@@ -4182,7 +4196,7 @@
         </p:nvSpPr>
         <p:spPr>
           <a:xfrm>
-            <a:off x="6595745" y="3509010"/>
+            <a:off x="7695565" y="3509010"/>
             <a:ext cx="3462655" cy="368300"/>
           </a:xfrm>
           <a:prstGeom prst="rect">
@@ -4199,13 +4213,18 @@
             <a:r>
               <a:rPr lang="en-US" altLang="zh-CN">
                 <a:solidFill>
-                  <a:schemeClr val="accent6"/>
+                  <a:schemeClr val="accent2"/>
                 </a:solidFill>
                 <a:sym typeface="+mn-ea"/>
               </a:rPr>
               <a:t>DmitryUlyanov/neuralStyleAudioTF</a:t>
             </a:r>
-            <a:endParaRPr lang="zh-CN" altLang="en-US"/>
+            <a:endParaRPr lang="en-US" altLang="zh-CN">
+              <a:solidFill>
+                <a:schemeClr val="accent2"/>
+              </a:solidFill>
+              <a:sym typeface="+mn-ea"/>
+            </a:endParaRPr>
           </a:p>
         </p:txBody>
       </p:sp>
@@ -4262,8 +4281,8 @@
         </p:nvCxnSpPr>
         <p:spPr>
           <a:xfrm rot="5400000">
-            <a:off x="7236778" y="3236278"/>
-            <a:ext cx="449580" cy="1731645"/>
+            <a:off x="7786688" y="2686368"/>
+            <a:ext cx="449580" cy="2831465"/>
           </a:xfrm>
           <a:prstGeom prst="bentConnector2">
             <a:avLst/>
@@ -4315,14 +4334,14 @@
             <a:r>
               <a:rPr lang="en-US" altLang="zh-CN">
                 <a:solidFill>
-                  <a:schemeClr val="accent6"/>
+                  <a:schemeClr val="accent2"/>
                 </a:solidFill>
               </a:rPr>
               <a:t>other equalization</a:t>
             </a:r>
             <a:endParaRPr lang="en-US" altLang="zh-CN">
               <a:solidFill>
-                <a:schemeClr val="accent6"/>
+                <a:schemeClr val="accent2"/>
               </a:solidFill>
             </a:endParaRPr>
           </a:p>
@@ -4370,14 +4389,14 @@
       </p:cxnSp>
       <p:sp>
         <p:nvSpPr>
-          <p:cNvPr id="35" name="文本框 34"/>
+          <p:cNvPr id="39" name="文本框 38"/>
           <p:cNvSpPr txBox="1"/>
           <p:nvPr/>
         </p:nvSpPr>
         <p:spPr>
           <a:xfrm>
-            <a:off x="646430" y="234950"/>
-            <a:ext cx="2240915" cy="368300"/>
+            <a:off x="4479925" y="3140710"/>
+            <a:ext cx="2171700" cy="368300"/>
           </a:xfrm>
           <a:prstGeom prst="rect">
             <a:avLst/>
@@ -4391,12 +4410,196 @@
           <a:p>
             <a:r>
               <a:rPr lang="en-US" altLang="zh-CN"/>
-              <a:t>ENGLISH VERSION TTS</a:t>
+              <a:t>speech enhancement</a:t>
             </a:r>
             <a:endParaRPr lang="en-US" altLang="zh-CN"/>
           </a:p>
         </p:txBody>
       </p:sp>
+      <p:sp>
+        <p:nvSpPr>
+          <p:cNvPr id="40" name="文本框 39"/>
+          <p:cNvSpPr txBox="1"/>
+          <p:nvPr/>
+        </p:nvSpPr>
+        <p:spPr>
+          <a:xfrm>
+            <a:off x="7710170" y="2944495"/>
+            <a:ext cx="1874520" cy="368300"/>
+          </a:xfrm>
+          <a:prstGeom prst="rect">
+            <a:avLst/>
+          </a:prstGeom>
+          <a:noFill/>
+        </p:spPr>
+        <p:txBody>
+          <a:bodyPr wrap="none" rtlCol="0">
+            <a:spAutoFit/>
+          </a:bodyPr>
+          <a:p>
+            <a:r>
+              <a:rPr lang="en-US" altLang="zh-CN">
+                <a:solidFill>
+                  <a:schemeClr val="accent2"/>
+                </a:solidFill>
+              </a:rPr>
+              <a:t>zhr1201/FCNN4SE</a:t>
+            </a:r>
+            <a:endParaRPr lang="en-US" altLang="zh-CN">
+              <a:solidFill>
+                <a:schemeClr val="accent2"/>
+              </a:solidFill>
+            </a:endParaRPr>
+          </a:p>
+        </p:txBody>
+      </p:sp>
+      <p:cxnSp>
+        <p:nvCxnSpPr>
+          <p:cNvPr id="41" name="肘形连接符 40"/>
+          <p:cNvCxnSpPr>
+            <a:stCxn id="40" idx="1"/>
+            <a:endCxn id="39" idx="3"/>
+          </p:cNvCxnSpPr>
+          <p:nvPr/>
+        </p:nvCxnSpPr>
+        <p:spPr>
+          <a:xfrm rot="10800000" flipV="1">
+            <a:off x="6650990" y="3128010"/>
+            <a:ext cx="1058545" cy="196215"/>
+          </a:xfrm>
+          <a:prstGeom prst="bentConnector3">
+            <a:avLst>
+              <a:gd name="adj1" fmla="val 49970"/>
+            </a:avLst>
+          </a:prstGeom>
+          <a:ln w="6350" cmpd="sng">
+            <a:solidFill>
+              <a:schemeClr val="accent2"/>
+            </a:solidFill>
+            <a:prstDash val="dash"/>
+            <a:tailEnd type="arrow"/>
+          </a:ln>
+        </p:spPr>
+        <p:style>
+          <a:lnRef idx="1">
+            <a:schemeClr val="accent1"/>
+          </a:lnRef>
+          <a:fillRef idx="0">
+            <a:schemeClr val="accent1"/>
+          </a:fillRef>
+          <a:effectRef idx="0">
+            <a:schemeClr val="accent1"/>
+          </a:effectRef>
+          <a:fontRef idx="minor">
+            <a:schemeClr val="tx1"/>
+          </a:fontRef>
+        </p:style>
+      </p:cxnSp>
+      <p:sp>
+        <p:nvSpPr>
+          <p:cNvPr id="42" name="文本框 41"/>
+          <p:cNvSpPr txBox="1"/>
+          <p:nvPr/>
+        </p:nvSpPr>
+        <p:spPr>
+          <a:xfrm>
+            <a:off x="4519295" y="473075"/>
+            <a:ext cx="2093595" cy="368300"/>
+          </a:xfrm>
+          <a:prstGeom prst="rect">
+            <a:avLst/>
+          </a:prstGeom>
+          <a:noFill/>
+        </p:spPr>
+        <p:txBody>
+          <a:bodyPr wrap="none" rtlCol="0">
+            <a:spAutoFit/>
+          </a:bodyPr>
+          <a:p>
+            <a:r>
+              <a:rPr lang="en-US" altLang="zh-CN"/>
+              <a:t>TTS main framework</a:t>
+            </a:r>
+            <a:endParaRPr lang="en-US" altLang="zh-CN"/>
+          </a:p>
+        </p:txBody>
+      </p:sp>
+      <p:sp>
+        <p:nvSpPr>
+          <p:cNvPr id="43" name="文本框 42"/>
+          <p:cNvSpPr txBox="1"/>
+          <p:nvPr/>
+        </p:nvSpPr>
+        <p:spPr>
+          <a:xfrm>
+            <a:off x="7779385" y="473075"/>
+            <a:ext cx="1554480" cy="368300"/>
+          </a:xfrm>
+          <a:prstGeom prst="rect">
+            <a:avLst/>
+          </a:prstGeom>
+          <a:noFill/>
+        </p:spPr>
+        <p:txBody>
+          <a:bodyPr wrap="none" rtlCol="0">
+            <a:spAutoFit/>
+          </a:bodyPr>
+          <a:p>
+            <a:r>
+              <a:rPr lang="en-US" altLang="zh-CN">
+                <a:solidFill>
+                  <a:schemeClr val="accent6"/>
+                </a:solidFill>
+              </a:rPr>
+              <a:t>TACOTRON+GL</a:t>
+            </a:r>
+            <a:endParaRPr lang="en-US" altLang="zh-CN">
+              <a:solidFill>
+                <a:schemeClr val="accent6"/>
+              </a:solidFill>
+            </a:endParaRPr>
+          </a:p>
+        </p:txBody>
+      </p:sp>
+      <p:cxnSp>
+        <p:nvCxnSpPr>
+          <p:cNvPr id="44" name="肘形连接符 43"/>
+          <p:cNvCxnSpPr>
+            <a:stCxn id="43" idx="1"/>
+            <a:endCxn id="42" idx="3"/>
+          </p:cNvCxnSpPr>
+          <p:nvPr/>
+        </p:nvCxnSpPr>
+        <p:spPr>
+          <a:xfrm rot="10800000">
+            <a:off x="6612255" y="657225"/>
+            <a:ext cx="1166495" cy="3175"/>
+          </a:xfrm>
+          <a:prstGeom prst="bentConnector2">
+            <a:avLst/>
+          </a:prstGeom>
+          <a:ln>
+            <a:solidFill>
+              <a:schemeClr val="accent6"/>
+            </a:solidFill>
+            <a:tailEnd type="triangle"/>
+          </a:ln>
+        </p:spPr>
+        <p:style>
+          <a:lnRef idx="1">
+            <a:schemeClr val="accent1"/>
+          </a:lnRef>
+          <a:fillRef idx="0">
+            <a:schemeClr val="accent1"/>
+          </a:fillRef>
+          <a:effectRef idx="0">
+            <a:schemeClr val="accent1"/>
+          </a:effectRef>
+          <a:fontRef idx="minor">
+            <a:schemeClr val="tx1"/>
+          </a:fontRef>
+        </p:style>
+      </p:cxnSp>
     </p:spTree>
   </p:cSld>
   <p:clrMapOvr>
@@ -4438,7 +4641,11 @@
           <a:p>
             <a:r>
               <a:rPr lang="zh-CN" altLang="en-US"/>
-              <a:t>抢滩的方向：</a:t>
+              <a:t>市场</a:t>
+            </a:r>
+            <a:r>
+              <a:rPr lang="zh-CN" altLang="en-US"/>
+              <a:t>抢滩方向：</a:t>
             </a:r>
             <a:endParaRPr lang="en-US" altLang="zh-CN"/>
           </a:p>

--- a/tts.pptx
+++ b/tts.pptx
@@ -4600,6 +4600,83 @@
           </a:fontRef>
         </p:style>
       </p:cxnSp>
+      <p:sp>
+        <p:nvSpPr>
+          <p:cNvPr id="35" name="文本框 34"/>
+          <p:cNvSpPr txBox="1"/>
+          <p:nvPr/>
+        </p:nvSpPr>
+        <p:spPr>
+          <a:xfrm>
+            <a:off x="392430" y="4667885"/>
+            <a:ext cx="3839845" cy="368300"/>
+          </a:xfrm>
+          <a:prstGeom prst="rect">
+            <a:avLst/>
+          </a:prstGeom>
+          <a:noFill/>
+        </p:spPr>
+        <p:txBody>
+          <a:bodyPr wrap="none" rtlCol="0">
+            <a:spAutoFit/>
+          </a:bodyPr>
+          <a:p>
+            <a:r>
+              <a:rPr lang="en-US" altLang="zh-CN">
+                <a:solidFill>
+                  <a:schemeClr val="accent2"/>
+                </a:solidFill>
+              </a:rPr>
+              <a:t>alishdipani/Neural-Style-Transfer-Audio</a:t>
+            </a:r>
+            <a:endParaRPr lang="en-US" altLang="zh-CN">
+              <a:solidFill>
+                <a:schemeClr val="accent2"/>
+              </a:solidFill>
+            </a:endParaRPr>
+          </a:p>
+        </p:txBody>
+      </p:sp>
+      <p:cxnSp>
+        <p:nvCxnSpPr>
+          <p:cNvPr id="45" name="肘形连接符 44"/>
+          <p:cNvCxnSpPr>
+            <a:stCxn id="35" idx="3"/>
+            <a:endCxn id="7" idx="2"/>
+          </p:cNvCxnSpPr>
+          <p:nvPr/>
+        </p:nvCxnSpPr>
+        <p:spPr>
+          <a:xfrm flipV="1">
+            <a:off x="4232275" y="4511040"/>
+            <a:ext cx="1264920" cy="340995"/>
+          </a:xfrm>
+          <a:prstGeom prst="bentConnector2">
+            <a:avLst/>
+          </a:prstGeom>
+          <a:ln>
+            <a:solidFill>
+              <a:schemeClr val="accent2"/>
+            </a:solidFill>
+            <a:prstDash val="dash"/>
+            <a:tailEnd type="arrow"/>
+          </a:ln>
+        </p:spPr>
+        <p:style>
+          <a:lnRef idx="1">
+            <a:schemeClr val="accent1"/>
+          </a:lnRef>
+          <a:fillRef idx="0">
+            <a:schemeClr val="accent1"/>
+          </a:fillRef>
+          <a:effectRef idx="0">
+            <a:schemeClr val="accent1"/>
+          </a:effectRef>
+          <a:fontRef idx="minor">
+            <a:schemeClr val="tx1"/>
+          </a:fontRef>
+        </p:style>
+      </p:cxnSp>
     </p:spTree>
   </p:cSld>
   <p:clrMapOvr>
@@ -4641,11 +4718,7 @@
           <a:p>
             <a:r>
               <a:rPr lang="zh-CN" altLang="en-US"/>
-              <a:t>市场</a:t>
-            </a:r>
-            <a:r>
-              <a:rPr lang="zh-CN" altLang="en-US"/>
-              <a:t>抢滩方向：</a:t>
+              <a:t>市场抢滩方向：</a:t>
             </a:r>
             <a:endParaRPr lang="en-US" altLang="zh-CN"/>
           </a:p>

--- a/tts.pptx
+++ b/tts.pptx
@@ -3137,7 +3137,7 @@
         </p:nvSpPr>
         <p:spPr>
           <a:xfrm>
-            <a:off x="9715500" y="925195"/>
+            <a:off x="10716895" y="924560"/>
             <a:ext cx="1442720" cy="368300"/>
           </a:xfrm>
           <a:prstGeom prst="rect">
@@ -3176,12 +3176,14 @@
           <p:nvPr/>
         </p:nvCxnSpPr>
         <p:spPr>
-          <a:xfrm rot="10800000">
-            <a:off x="7397750" y="1109345"/>
-            <a:ext cx="2317750" cy="3175"/>
-          </a:xfrm>
-          <a:prstGeom prst="bentConnector2">
-            <a:avLst/>
+          <a:xfrm rot="10800000" flipV="1">
+            <a:off x="7397750" y="1108710"/>
+            <a:ext cx="3319145" cy="635"/>
+          </a:xfrm>
+          <a:prstGeom prst="bentConnector3">
+            <a:avLst>
+              <a:gd name="adj1" fmla="val 49990"/>
+            </a:avLst>
           </a:prstGeom>
           <a:ln>
             <a:solidFill>
@@ -3217,12 +3219,12 @@
         </p:nvCxnSpPr>
         <p:spPr>
           <a:xfrm rot="5400000">
-            <a:off x="6358255" y="431800"/>
-            <a:ext cx="3217545" cy="4939665"/>
+            <a:off x="6858635" y="-68580"/>
+            <a:ext cx="3218180" cy="5941060"/>
           </a:xfrm>
           <a:prstGeom prst="bentConnector3">
             <a:avLst>
-              <a:gd name="adj1" fmla="val 107401"/>
+              <a:gd name="adj1" fmla="val 107399"/>
             </a:avLst>
           </a:prstGeom>
           <a:ln>
@@ -4774,6 +4776,68 @@
             <a:r>
               <a:rPr lang="zh-CN" altLang="en-US"/>
               <a:t>噪声数据建立系统</a:t>
+            </a:r>
+            <a:endParaRPr lang="zh-CN" altLang="en-US"/>
+          </a:p>
+        </p:txBody>
+      </p:sp>
+      <p:sp>
+        <p:nvSpPr>
+          <p:cNvPr id="2" name="文本框 1"/>
+          <p:cNvSpPr txBox="1"/>
+          <p:nvPr/>
+        </p:nvSpPr>
+        <p:spPr>
+          <a:xfrm>
+            <a:off x="8055610" y="1613535"/>
+            <a:ext cx="2635885" cy="1198880"/>
+          </a:xfrm>
+          <a:prstGeom prst="rect">
+            <a:avLst/>
+          </a:prstGeom>
+          <a:noFill/>
+        </p:spPr>
+        <p:txBody>
+          <a:bodyPr wrap="none" rtlCol="0">
+            <a:spAutoFit/>
+          </a:bodyPr>
+          <a:p>
+            <a:r>
+              <a:rPr lang="zh-CN" altLang="en-US"/>
+              <a:t>产品考虑：</a:t>
+            </a:r>
+            <a:br>
+              <a:rPr lang="zh-CN" altLang="en-US"/>
+            </a:br>
+            <a:r>
+              <a:rPr lang="en-US" altLang="zh-CN"/>
+              <a:t>1 </a:t>
+            </a:r>
+            <a:r>
+              <a:rPr lang="zh-CN" altLang="en-US"/>
+              <a:t>实时性</a:t>
+            </a:r>
+            <a:endParaRPr lang="zh-CN" altLang="en-US"/>
+          </a:p>
+          <a:p>
+            <a:r>
+              <a:rPr lang="en-US" altLang="zh-CN"/>
+              <a:t>2 </a:t>
+            </a:r>
+            <a:r>
+              <a:rPr lang="zh-CN" altLang="en-US"/>
+              <a:t>音质好</a:t>
+            </a:r>
+            <a:endParaRPr lang="zh-CN" altLang="en-US"/>
+          </a:p>
+          <a:p>
+            <a:r>
+              <a:rPr lang="en-US" altLang="zh-CN"/>
+              <a:t>3 </a:t>
+            </a:r>
+            <a:r>
+              <a:rPr lang="zh-CN" altLang="en-US"/>
+              <a:t>多音字发音准确率九成</a:t>
             </a:r>
             <a:endParaRPr lang="zh-CN" altLang="en-US"/>
           </a:p>

--- a/tts.pptx
+++ b/tts.pptx
@@ -4679,6 +4679,62 @@
           </a:fontRef>
         </p:style>
       </p:cxnSp>
+      <p:sp>
+        <p:nvSpPr>
+          <p:cNvPr id="46" name="标题 45"/>
+          <p:cNvSpPr>
+            <a:spLocks noGrp="1"/>
+          </p:cNvSpPr>
+          <p:nvPr>
+            <p:ph type="title"/>
+          </p:nvPr>
+        </p:nvSpPr>
+        <p:spPr>
+          <a:xfrm>
+            <a:off x="487680" y="95885"/>
+            <a:ext cx="1449705" cy="1077595"/>
+          </a:xfrm>
+        </p:spPr>
+        <p:txBody>
+          <a:bodyPr/>
+          <a:p>
+            <a:r>
+              <a:rPr lang="en-US" altLang="zh-CN"/>
+              <a:t>TTS</a:t>
+            </a:r>
+            <a:endParaRPr lang="en-US" altLang="zh-CN"/>
+          </a:p>
+        </p:txBody>
+      </p:sp>
+      <p:sp>
+        <p:nvSpPr>
+          <p:cNvPr id="47" name="文本框 46"/>
+          <p:cNvSpPr txBox="1"/>
+          <p:nvPr/>
+        </p:nvSpPr>
+        <p:spPr>
+          <a:xfrm>
+            <a:off x="4519295" y="6489700"/>
+            <a:ext cx="5581650" cy="368300"/>
+          </a:xfrm>
+          <a:prstGeom prst="rect">
+            <a:avLst/>
+          </a:prstGeom>
+          <a:noFill/>
+        </p:spPr>
+        <p:txBody>
+          <a:bodyPr wrap="none" rtlCol="0">
+            <a:spAutoFit/>
+          </a:bodyPr>
+          <a:p>
+            <a:r>
+              <a:rPr lang="en-US" altLang="zh-CN"/>
+              <a:t>remove speech background sound(music/noise and so on)</a:t>
+            </a:r>
+            <a:endParaRPr lang="en-US" altLang="zh-CN"/>
+          </a:p>
+        </p:txBody>
+      </p:sp>
     </p:spTree>
   </p:cSld>
   <p:clrMapOvr>
@@ -4877,7 +4933,7 @@
           <a:p>
             <a:r>
               <a:rPr lang="en-US" altLang="zh-CN"/>
-              <a:t>nlp</a:t>
+              <a:t>NLP</a:t>
             </a:r>
             <a:endParaRPr lang="en-US" altLang="zh-CN"/>
           </a:p>

--- a/tts.pptx
+++ b/tts.pptx
@@ -3969,8 +3969,8 @@
         </p:nvSpPr>
         <p:spPr>
           <a:xfrm>
-            <a:off x="27940" y="5332095"/>
-            <a:ext cx="2496185" cy="1476375"/>
+            <a:off x="646430" y="94615"/>
+            <a:ext cx="2593975" cy="1014730"/>
           </a:xfrm>
           <a:prstGeom prst="rect">
             <a:avLst/>
@@ -3984,23 +3984,23 @@
           </a:ln>
         </p:spPr>
         <p:txBody>
-          <a:bodyPr wrap="none" rtlCol="0">
+          <a:bodyPr wrap="square" rtlCol="0">
             <a:spAutoFit/>
           </a:bodyPr>
           <a:p>
             <a:pPr algn="l"/>
             <a:r>
-              <a:rPr lang="en-US" altLang="zh-CN" u="sng">
+              <a:rPr lang="en-US" altLang="zh-CN" sz="1200" u="sng">
                 <a:sym typeface="+mn-ea"/>
               </a:rPr>
               <a:t>ENGLISH VERSION TTS</a:t>
             </a:r>
-            <a:endParaRPr lang="en-US" altLang="zh-CN"/>
+            <a:endParaRPr lang="en-US" altLang="zh-CN" sz="1200"/>
           </a:p>
           <a:p>
             <a:pPr algn="l"/>
             <a:r>
-              <a:rPr lang="en-US" altLang="zh-CN">
+              <a:rPr lang="en-US" altLang="zh-CN" sz="1200">
                 <a:solidFill>
                   <a:schemeClr val="accent6"/>
                 </a:solidFill>
@@ -4008,7 +4008,7 @@
               </a:rPr>
               <a:t>blue: finished</a:t>
             </a:r>
-            <a:endParaRPr lang="en-US" altLang="zh-CN">
+            <a:endParaRPr lang="en-US" altLang="zh-CN" sz="1200">
               <a:solidFill>
                 <a:schemeClr val="accent1"/>
               </a:solidFill>
@@ -4018,7 +4018,7 @@
           <a:p>
             <a:pPr algn="l"/>
             <a:r>
-              <a:rPr lang="en-US" altLang="zh-CN">
+              <a:rPr lang="en-US" altLang="zh-CN" sz="1200">
                 <a:solidFill>
                   <a:schemeClr val="accent2"/>
                 </a:solidFill>
@@ -4026,7 +4026,7 @@
               </a:rPr>
               <a:t>red: WIP</a:t>
             </a:r>
-            <a:endParaRPr lang="en-US" altLang="zh-CN">
+            <a:endParaRPr lang="en-US" altLang="zh-CN" sz="1200">
               <a:solidFill>
                 <a:schemeClr val="accent2"/>
               </a:solidFill>
@@ -4036,7 +4036,7 @@
           <a:p>
             <a:pPr algn="l"/>
             <a:r>
-              <a:rPr lang="en-US" altLang="zh-CN">
+              <a:rPr lang="en-US" altLang="zh-CN" sz="1200">
                 <a:solidFill>
                   <a:srgbClr val="7030A0"/>
                 </a:solidFill>
@@ -4044,7 +4044,7 @@
               </a:rPr>
               <a:t>purple: bad effect/bruise</a:t>
             </a:r>
-            <a:endParaRPr lang="en-US" altLang="zh-CN">
+            <a:endParaRPr lang="en-US" altLang="zh-CN" sz="1200">
               <a:solidFill>
                 <a:schemeClr val="accent2"/>
               </a:solidFill>
@@ -4054,7 +4054,7 @@
           <a:p>
             <a:pPr algn="l"/>
             <a:r>
-              <a:rPr lang="en-US" altLang="zh-CN">
+              <a:rPr lang="en-US" altLang="zh-CN" sz="1200">
                 <a:solidFill>
                   <a:schemeClr val="tx1"/>
                 </a:solidFill>
@@ -4062,9 +4062,9 @@
               </a:rPr>
               <a:t>black: target</a:t>
             </a:r>
-            <a:endParaRPr lang="en-US" altLang="zh-CN">
+            <a:endParaRPr lang="en-US" altLang="zh-CN" sz="1200">
               <a:solidFill>
-                <a:schemeClr val="accent6"/>
+                <a:schemeClr val="tx1"/>
               </a:solidFill>
               <a:effectLst/>
             </a:endParaRPr>
@@ -4681,33 +4681,6 @@
       </p:cxnSp>
       <p:sp>
         <p:nvSpPr>
-          <p:cNvPr id="46" name="标题 45"/>
-          <p:cNvSpPr>
-            <a:spLocks noGrp="1"/>
-          </p:cNvSpPr>
-          <p:nvPr>
-            <p:ph type="title"/>
-          </p:nvPr>
-        </p:nvSpPr>
-        <p:spPr>
-          <a:xfrm>
-            <a:off x="487680" y="95885"/>
-            <a:ext cx="1449705" cy="1077595"/>
-          </a:xfrm>
-        </p:spPr>
-        <p:txBody>
-          <a:bodyPr/>
-          <a:p>
-            <a:r>
-              <a:rPr lang="en-US" altLang="zh-CN"/>
-              <a:t>TTS</a:t>
-            </a:r>
-            <a:endParaRPr lang="en-US" altLang="zh-CN"/>
-          </a:p>
-        </p:txBody>
-      </p:sp>
-      <p:sp>
-        <p:nvSpPr>
           <p:cNvPr id="47" name="文本框 46"/>
           <p:cNvSpPr txBox="1"/>
           <p:nvPr/>
@@ -4735,6 +4708,80 @@
           </a:p>
         </p:txBody>
       </p:sp>
+      <p:sp>
+        <p:nvSpPr>
+          <p:cNvPr id="49" name="文本框 48"/>
+          <p:cNvSpPr txBox="1"/>
+          <p:nvPr/>
+        </p:nvSpPr>
+        <p:spPr>
+          <a:xfrm>
+            <a:off x="1443355" y="6489700"/>
+            <a:ext cx="926465" cy="368300"/>
+          </a:xfrm>
+          <a:prstGeom prst="rect">
+            <a:avLst/>
+          </a:prstGeom>
+          <a:noFill/>
+        </p:spPr>
+        <p:txBody>
+          <a:bodyPr wrap="none" rtlCol="0">
+            <a:spAutoFit/>
+          </a:bodyPr>
+          <a:p>
+            <a:r>
+              <a:rPr lang="en-US" altLang="zh-CN">
+                <a:solidFill>
+                  <a:schemeClr val="accent2"/>
+                </a:solidFill>
+              </a:rPr>
+              <a:t>webRTC</a:t>
+            </a:r>
+            <a:endParaRPr lang="en-US" altLang="zh-CN">
+              <a:solidFill>
+                <a:schemeClr val="accent2"/>
+              </a:solidFill>
+            </a:endParaRPr>
+          </a:p>
+        </p:txBody>
+      </p:sp>
+      <p:cxnSp>
+        <p:nvCxnSpPr>
+          <p:cNvPr id="50" name="肘形连接符 49"/>
+          <p:cNvCxnSpPr>
+            <a:stCxn id="49" idx="3"/>
+            <a:endCxn id="47" idx="1"/>
+          </p:cNvCxnSpPr>
+          <p:nvPr/>
+        </p:nvCxnSpPr>
+        <p:spPr>
+          <a:xfrm>
+            <a:off x="2369820" y="6673850"/>
+            <a:ext cx="2149475" cy="3175"/>
+          </a:xfrm>
+          <a:prstGeom prst="bentConnector2">
+            <a:avLst/>
+          </a:prstGeom>
+          <a:ln>
+            <a:prstDash val="dash"/>
+            <a:tailEnd type="arrow" w="med" len="med"/>
+          </a:ln>
+        </p:spPr>
+        <p:style>
+          <a:lnRef idx="1">
+            <a:schemeClr val="accent2"/>
+          </a:lnRef>
+          <a:fillRef idx="0">
+            <a:schemeClr val="accent2"/>
+          </a:fillRef>
+          <a:effectRef idx="0">
+            <a:schemeClr val="accent2"/>
+          </a:effectRef>
+          <a:fontRef idx="minor">
+            <a:schemeClr val="tx1"/>
+          </a:fontRef>
+        </p:style>
+      </p:cxnSp>
     </p:spTree>
   </p:cSld>
   <p:clrMapOvr>

--- a/tts.pptx
+++ b/tts.pptx
@@ -4782,6 +4782,84 @@
           </a:fontRef>
         </p:style>
       </p:cxnSp>
+      <p:sp>
+        <p:nvSpPr>
+          <p:cNvPr id="46" name="文本框 45"/>
+          <p:cNvSpPr txBox="1"/>
+          <p:nvPr/>
+        </p:nvSpPr>
+        <p:spPr>
+          <a:xfrm>
+            <a:off x="487680" y="5224780"/>
+            <a:ext cx="3407410" cy="368300"/>
+          </a:xfrm>
+          <a:prstGeom prst="rect">
+            <a:avLst/>
+          </a:prstGeom>
+          <a:noFill/>
+        </p:spPr>
+        <p:txBody>
+          <a:bodyPr wrap="none" rtlCol="0">
+            <a:spAutoFit/>
+          </a:bodyPr>
+          <a:p>
+            <a:pPr algn="l"/>
+            <a:r>
+              <a:rPr lang="zh-CN" altLang="en-US">
+                <a:solidFill>
+                  <a:schemeClr val="accent2"/>
+                </a:solidFill>
+              </a:rPr>
+              <a:t>CorentinJ/Real-Time-Voice-Cloning</a:t>
+            </a:r>
+            <a:endParaRPr lang="zh-CN" altLang="en-US">
+              <a:solidFill>
+                <a:schemeClr val="accent2"/>
+              </a:solidFill>
+            </a:endParaRPr>
+          </a:p>
+        </p:txBody>
+      </p:sp>
+      <p:cxnSp>
+        <p:nvCxnSpPr>
+          <p:cNvPr id="48" name="肘形连接符 47"/>
+          <p:cNvCxnSpPr>
+            <a:stCxn id="46" idx="3"/>
+            <a:endCxn id="8" idx="1"/>
+          </p:cNvCxnSpPr>
+          <p:nvPr/>
+        </p:nvCxnSpPr>
+        <p:spPr>
+          <a:xfrm>
+            <a:off x="3895090" y="5408930"/>
+            <a:ext cx="671830" cy="3175"/>
+          </a:xfrm>
+          <a:prstGeom prst="bentConnector2">
+            <a:avLst/>
+          </a:prstGeom>
+          <a:ln>
+            <a:solidFill>
+              <a:schemeClr val="accent2"/>
+            </a:solidFill>
+            <a:prstDash val="dash"/>
+            <a:tailEnd type="arrow"/>
+          </a:ln>
+        </p:spPr>
+        <p:style>
+          <a:lnRef idx="1">
+            <a:schemeClr val="accent1"/>
+          </a:lnRef>
+          <a:fillRef idx="0">
+            <a:schemeClr val="accent1"/>
+          </a:fillRef>
+          <a:effectRef idx="0">
+            <a:schemeClr val="accent1"/>
+          </a:effectRef>
+          <a:fontRef idx="minor">
+            <a:schemeClr val="tx1"/>
+          </a:fontRef>
+        </p:style>
+      </p:cxnSp>
     </p:spTree>
   </p:cSld>
   <p:clrMapOvr>
